--- a/SICUREZZA INFORMATICA E INTERNET/MATERIALE CORSO/44-lsss.pptx
+++ b/SICUREZZA INFORMATICA E INTERNET/MATERIALE CORSO/44-lsss.pptx
@@ -38659,9 +38659,9 @@
 </file>
 
 <file path=customXml/item1.xml><?xml version="1.0" encoding="utf-8"?>
-<ct:contentTypeSchema xmlns:ct="http://schemas.microsoft.com/office/2006/metadata/contentType" xmlns:ma="http://schemas.microsoft.com/office/2006/metadata/properties/metaAttributes" ct:_="" ma:_="" ma:contentTypeName="Document" ma:contentTypeID="0x010100F2781951D3CFA64AA3493CD3E6442C76" ma:contentTypeVersion="4" ma:contentTypeDescription="Create a new document." ma:contentTypeScope="" ma:versionID="33b04b29ce0c91dc799030f484f393b5">
-  <xsd:schema xmlns:xsd="http://www.w3.org/2001/XMLSchema" xmlns:xs="http://www.w3.org/2001/XMLSchema" xmlns:p="http://schemas.microsoft.com/office/2006/metadata/properties" xmlns:ns2="aae43852-53e9-4813-a3db-c50f0e7934bf" targetNamespace="http://schemas.microsoft.com/office/2006/metadata/properties" ma:root="true" ma:fieldsID="61c2abcdba811c9a68e7a9f8c502e21f" ns2:_="">
-    <xsd:import namespace="aae43852-53e9-4813-a3db-c50f0e7934bf"/>
+<ct:contentTypeSchema xmlns:ct="http://schemas.microsoft.com/office/2006/metadata/contentType" xmlns:ma="http://schemas.microsoft.com/office/2006/metadata/properties/metaAttributes" ct:_="" ma:_="" ma:contentTypeName="Documento" ma:contentTypeID="0x010100E3E8458D254D7543B8EE0336155E759B" ma:contentTypeVersion="6" ma:contentTypeDescription="Creare un nuovo documento." ma:contentTypeScope="" ma:versionID="634e05960707776122f6c34782d58d55">
+  <xsd:schema xmlns:xsd="http://www.w3.org/2001/XMLSchema" xmlns:xs="http://www.w3.org/2001/XMLSchema" xmlns:p="http://schemas.microsoft.com/office/2006/metadata/properties" xmlns:ns2="2154ac9b-a8e0-4f77-b94d-78f05534efde" targetNamespace="http://schemas.microsoft.com/office/2006/metadata/properties" ma:root="true" ma:fieldsID="550181c30c827cd1adfb638e20e39b69" ns2:_="">
+    <xsd:import namespace="2154ac9b-a8e0-4f77-b94d-78f05534efde"/>
     <xsd:element name="properties">
       <xsd:complexType>
         <xsd:sequence>
@@ -38672,6 +38672,8 @@
                 <xsd:element ref="ns2:MediaServiceFastMetadata" minOccurs="0"/>
                 <xsd:element ref="ns2:MediaServiceSearchProperties" minOccurs="0"/>
                 <xsd:element ref="ns2:MediaServiceObjectDetectorVersions" minOccurs="0"/>
+                <xsd:element ref="ns2:MediaServiceGenerationTime" minOccurs="0"/>
+                <xsd:element ref="ns2:MediaServiceEventHashCode" minOccurs="0"/>
               </xsd:all>
             </xsd:complexType>
           </xsd:element>
@@ -38679,7 +38681,7 @@
       </xsd:complexType>
     </xsd:element>
   </xsd:schema>
-  <xsd:schema xmlns:xsd="http://www.w3.org/2001/XMLSchema" xmlns:xs="http://www.w3.org/2001/XMLSchema" xmlns:dms="http://schemas.microsoft.com/office/2006/documentManagement/types" xmlns:pc="http://schemas.microsoft.com/office/infopath/2007/PartnerControls" targetNamespace="aae43852-53e9-4813-a3db-c50f0e7934bf" elementFormDefault="qualified">
+  <xsd:schema xmlns:xsd="http://www.w3.org/2001/XMLSchema" xmlns:xs="http://www.w3.org/2001/XMLSchema" xmlns:dms="http://schemas.microsoft.com/office/2006/documentManagement/types" xmlns:pc="http://schemas.microsoft.com/office/infopath/2007/PartnerControls" targetNamespace="2154ac9b-a8e0-4f77-b94d-78f05534efde" elementFormDefault="qualified">
     <xsd:import namespace="http://schemas.microsoft.com/office/2006/documentManagement/types"/>
     <xsd:import namespace="http://schemas.microsoft.com/office/infopath/2007/PartnerControls"/>
     <xsd:element name="MediaServiceMetadata" ma:index="8" nillable="true" ma:displayName="MediaServiceMetadata" ma:hidden="true" ma:internalName="MediaServiceMetadata" ma:readOnly="true">
@@ -38702,6 +38704,16 @@
         <xsd:restriction base="dms:Text"/>
       </xsd:simpleType>
     </xsd:element>
+    <xsd:element name="MediaServiceGenerationTime" ma:index="12" nillable="true" ma:displayName="MediaServiceGenerationTime" ma:hidden="true" ma:internalName="MediaServiceGenerationTime" ma:readOnly="true">
+      <xsd:simpleType>
+        <xsd:restriction base="dms:Text"/>
+      </xsd:simpleType>
+    </xsd:element>
+    <xsd:element name="MediaServiceEventHashCode" ma:index="13" nillable="true" ma:displayName="MediaServiceEventHashCode" ma:hidden="true" ma:internalName="MediaServiceEventHashCode" ma:readOnly="true">
+      <xsd:simpleType>
+        <xsd:restriction base="dms:Text"/>
+      </xsd:simpleType>
+    </xsd:element>
   </xsd:schema>
   <xsd:schema xmlns="http://schemas.openxmlformats.org/package/2006/metadata/core-properties" xmlns:xsd="http://www.w3.org/2001/XMLSchema" xmlns:xsi="http://www.w3.org/2001/XMLSchema-instance" xmlns:dc="http://purl.org/dc/elements/1.1/" xmlns:dcterms="http://purl.org/dc/terms/" xmlns:odoc="http://schemas.microsoft.com/internal/obd" targetNamespace="http://schemas.openxmlformats.org/package/2006/metadata/core-properties" elementFormDefault="qualified" attributeFormDefault="unqualified" blockDefault="#all">
     <xsd:import namespace="http://purl.org/dc/elements/1.1/" schemaLocation="http://dublincore.org/schemas/xmls/qdc/2003/04/02/dc.xsd"/>
@@ -38712,8 +38724,8 @@
         <xsd:element ref="dc:creator" minOccurs="0" maxOccurs="1"/>
         <xsd:element ref="dcterms:created" minOccurs="0" maxOccurs="1"/>
         <xsd:element ref="dc:identifier" minOccurs="0" maxOccurs="1"/>
-        <xsd:element name="contentType" minOccurs="0" maxOccurs="1" type="xsd:string" ma:index="0" ma:displayName="Content Type"/>
-        <xsd:element ref="dc:title" minOccurs="0" maxOccurs="1" ma:index="4" ma:displayName="Title"/>
+        <xsd:element name="contentType" minOccurs="0" maxOccurs="1" type="xsd:string" ma:index="0" ma:displayName="Tipo di contenuto"/>
+        <xsd:element ref="dc:title" minOccurs="0" maxOccurs="1" ma:index="4" ma:displayName="Titolo"/>
         <xsd:element ref="dc:subject" minOccurs="0" maxOccurs="1"/>
         <xsd:element ref="dc:description" minOccurs="0" maxOccurs="1"/>
         <xsd:element name="keywords" minOccurs="0" maxOccurs="1" type="xsd:string"/>
@@ -38818,13 +38830,13 @@
 </file>
 
 <file path=customXml/itemProps1.xml><?xml version="1.0" encoding="utf-8"?>
-<ds:datastoreItem xmlns:ds="http://schemas.openxmlformats.org/officeDocument/2006/customXml" ds:itemID="{F8EC4738-F647-4224-999A-05BAA258651E}"/>
+<ds:datastoreItem xmlns:ds="http://schemas.openxmlformats.org/officeDocument/2006/customXml" ds:itemID="{A1D418D1-7367-4FF8-B1FA-CF47B019123A}"/>
 </file>
 
 <file path=customXml/itemProps2.xml><?xml version="1.0" encoding="utf-8"?>
-<ds:datastoreItem xmlns:ds="http://schemas.openxmlformats.org/officeDocument/2006/customXml" ds:itemID="{A4A20FC8-4F89-4225-BBBE-15D613E9D8A7}"/>
+<ds:datastoreItem xmlns:ds="http://schemas.openxmlformats.org/officeDocument/2006/customXml" ds:itemID="{48696332-9B2F-452A-B964-38D9D979D036}"/>
 </file>
 
 <file path=customXml/itemProps3.xml><?xml version="1.0" encoding="utf-8"?>
-<ds:datastoreItem xmlns:ds="http://schemas.openxmlformats.org/officeDocument/2006/customXml" ds:itemID="{0713992A-E2D5-48C8-9CA0-E8697A26580F}"/>
+<ds:datastoreItem xmlns:ds="http://schemas.openxmlformats.org/officeDocument/2006/customXml" ds:itemID="{A172C962-6B0D-4048-97A4-53EA266D580E}"/>
 </file>